--- a/Курсовой Евдокимов.pptx
+++ b/Курсовой Евдокимов.pptx
@@ -342,7 +342,7 @@
           <a:p>
             <a:fld id="{04A79284-FEB5-418C-BBF2-CEA38720E2D7}" type="datetimeFigureOut">
               <a:rPr lang="ru-RU" smtClean="0"/>
-              <a:t>19.12.2022</a:t>
+              <a:t>20.12.2022</a:t>
             </a:fld>
             <a:endParaRPr lang="ru-RU"/>
           </a:p>
@@ -640,7 +640,7 @@
           <a:p>
             <a:fld id="{04A79284-FEB5-418C-BBF2-CEA38720E2D7}" type="datetimeFigureOut">
               <a:rPr lang="ru-RU" smtClean="0"/>
-              <a:t>19.12.2022</a:t>
+              <a:t>20.12.2022</a:t>
             </a:fld>
             <a:endParaRPr lang="ru-RU"/>
           </a:p>
@@ -832,7 +832,7 @@
           <a:p>
             <a:fld id="{04A79284-FEB5-418C-BBF2-CEA38720E2D7}" type="datetimeFigureOut">
               <a:rPr lang="ru-RU" smtClean="0"/>
-              <a:t>19.12.2022</a:t>
+              <a:t>20.12.2022</a:t>
             </a:fld>
             <a:endParaRPr lang="ru-RU"/>
           </a:p>
@@ -1093,7 +1093,7 @@
           <a:p>
             <a:fld id="{04A79284-FEB5-418C-BBF2-CEA38720E2D7}" type="datetimeFigureOut">
               <a:rPr lang="ru-RU" smtClean="0"/>
-              <a:t>19.12.2022</a:t>
+              <a:t>20.12.2022</a:t>
             </a:fld>
             <a:endParaRPr lang="ru-RU"/>
           </a:p>
@@ -1517,7 +1517,7 @@
           <a:p>
             <a:fld id="{04A79284-FEB5-418C-BBF2-CEA38720E2D7}" type="datetimeFigureOut">
               <a:rPr lang="ru-RU" smtClean="0"/>
-              <a:t>19.12.2022</a:t>
+              <a:t>20.12.2022</a:t>
             </a:fld>
             <a:endParaRPr lang="ru-RU"/>
           </a:p>
@@ -2054,7 +2054,7 @@
           <a:p>
             <a:fld id="{04A79284-FEB5-418C-BBF2-CEA38720E2D7}" type="datetimeFigureOut">
               <a:rPr lang="ru-RU" smtClean="0"/>
-              <a:t>19.12.2022</a:t>
+              <a:t>20.12.2022</a:t>
             </a:fld>
             <a:endParaRPr lang="ru-RU"/>
           </a:p>
@@ -2918,7 +2918,7 @@
           <a:p>
             <a:fld id="{04A79284-FEB5-418C-BBF2-CEA38720E2D7}" type="datetimeFigureOut">
               <a:rPr lang="ru-RU" smtClean="0"/>
-              <a:t>19.12.2022</a:t>
+              <a:t>20.12.2022</a:t>
             </a:fld>
             <a:endParaRPr lang="ru-RU"/>
           </a:p>
@@ -3088,7 +3088,7 @@
           <a:p>
             <a:fld id="{04A79284-FEB5-418C-BBF2-CEA38720E2D7}" type="datetimeFigureOut">
               <a:rPr lang="ru-RU" smtClean="0"/>
-              <a:t>19.12.2022</a:t>
+              <a:t>20.12.2022</a:t>
             </a:fld>
             <a:endParaRPr lang="ru-RU"/>
           </a:p>
@@ -3272,7 +3272,7 @@
           <a:p>
             <a:fld id="{04A79284-FEB5-418C-BBF2-CEA38720E2D7}" type="datetimeFigureOut">
               <a:rPr lang="ru-RU" smtClean="0"/>
-              <a:t>19.12.2022</a:t>
+              <a:t>20.12.2022</a:t>
             </a:fld>
             <a:endParaRPr lang="ru-RU"/>
           </a:p>
@@ -3442,7 +3442,7 @@
           <a:p>
             <a:fld id="{04A79284-FEB5-418C-BBF2-CEA38720E2D7}" type="datetimeFigureOut">
               <a:rPr lang="ru-RU" smtClean="0"/>
-              <a:t>19.12.2022</a:t>
+              <a:t>20.12.2022</a:t>
             </a:fld>
             <a:endParaRPr lang="ru-RU"/>
           </a:p>
@@ -3686,7 +3686,7 @@
           <a:p>
             <a:fld id="{04A79284-FEB5-418C-BBF2-CEA38720E2D7}" type="datetimeFigureOut">
               <a:rPr lang="ru-RU" smtClean="0"/>
-              <a:t>19.12.2022</a:t>
+              <a:t>20.12.2022</a:t>
             </a:fld>
             <a:endParaRPr lang="ru-RU"/>
           </a:p>
@@ -3922,7 +3922,7 @@
           <a:p>
             <a:fld id="{04A79284-FEB5-418C-BBF2-CEA38720E2D7}" type="datetimeFigureOut">
               <a:rPr lang="ru-RU" smtClean="0"/>
-              <a:t>19.12.2022</a:t>
+              <a:t>20.12.2022</a:t>
             </a:fld>
             <a:endParaRPr lang="ru-RU"/>
           </a:p>
@@ -4388,7 +4388,7 @@
           <a:p>
             <a:fld id="{04A79284-FEB5-418C-BBF2-CEA38720E2D7}" type="datetimeFigureOut">
               <a:rPr lang="ru-RU" smtClean="0"/>
-              <a:t>19.12.2022</a:t>
+              <a:t>20.12.2022</a:t>
             </a:fld>
             <a:endParaRPr lang="ru-RU"/>
           </a:p>
@@ -4506,7 +4506,7 @@
           <a:p>
             <a:fld id="{04A79284-FEB5-418C-BBF2-CEA38720E2D7}" type="datetimeFigureOut">
               <a:rPr lang="ru-RU" smtClean="0"/>
-              <a:t>19.12.2022</a:t>
+              <a:t>20.12.2022</a:t>
             </a:fld>
             <a:endParaRPr lang="ru-RU"/>
           </a:p>
@@ -4601,7 +4601,7 @@
           <a:p>
             <a:fld id="{04A79284-FEB5-418C-BBF2-CEA38720E2D7}" type="datetimeFigureOut">
               <a:rPr lang="ru-RU" smtClean="0"/>
-              <a:t>19.12.2022</a:t>
+              <a:t>20.12.2022</a:t>
             </a:fld>
             <a:endParaRPr lang="ru-RU"/>
           </a:p>
@@ -4856,7 +4856,7 @@
           <a:p>
             <a:fld id="{04A79284-FEB5-418C-BBF2-CEA38720E2D7}" type="datetimeFigureOut">
               <a:rPr lang="ru-RU" smtClean="0"/>
-              <a:t>19.12.2022</a:t>
+              <a:t>20.12.2022</a:t>
             </a:fld>
             <a:endParaRPr lang="ru-RU"/>
           </a:p>
@@ -5156,7 +5156,7 @@
           <a:p>
             <a:fld id="{04A79284-FEB5-418C-BBF2-CEA38720E2D7}" type="datetimeFigureOut">
               <a:rPr lang="ru-RU" smtClean="0"/>
-              <a:t>19.12.2022</a:t>
+              <a:t>20.12.2022</a:t>
             </a:fld>
             <a:endParaRPr lang="ru-RU"/>
           </a:p>
@@ -5390,7 +5390,7 @@
           <a:p>
             <a:fld id="{04A79284-FEB5-418C-BBF2-CEA38720E2D7}" type="datetimeFigureOut">
               <a:rPr lang="ru-RU" smtClean="0"/>
-              <a:t>19.12.2022</a:t>
+              <a:t>20.12.2022</a:t>
             </a:fld>
             <a:endParaRPr lang="ru-RU"/>
           </a:p>
@@ -7873,7 +7873,7 @@
           <a:p>
             <a:r>
               <a:rPr lang="ru-RU" dirty="0"/>
-              <a:t>Цель работы : разработка ИС, в которой будет бронирования мест в самолетах на перелет, получении информации о пассажирах и сотрудниках.</a:t>
+              <a:t>Цель работы : разработка ИС, в которой будет выполнено бронирования мест в самолетах на перелет, получении информации о пассажирах и сотрудниках.</a:t>
             </a:r>
           </a:p>
           <a:p>
@@ -8463,7 +8463,7 @@
         </p:blipFill>
         <p:spPr bwMode="auto">
           <a:xfrm>
-            <a:off x="2905131" y="2199497"/>
+            <a:off x="1130119" y="2342932"/>
             <a:ext cx="6678140" cy="3012099"/>
           </a:xfrm>
           <a:prstGeom prst="rect">
@@ -8485,6 +8485,45 @@
           </a:extLst>
         </p:spPr>
       </p:pic>
+      <p:sp>
+        <p:nvSpPr>
+          <p:cNvPr id="5" name="TextBox 4">
+            <a:extLst>
+              <a:ext uri="{FF2B5EF4-FFF2-40B4-BE49-F238E27FC236}">
+                <a16:creationId xmlns:a16="http://schemas.microsoft.com/office/drawing/2014/main" id="{DD98911E-AF9D-4FC9-A20B-334D3ED7272A}"/>
+              </a:ext>
+            </a:extLst>
+          </p:cNvPr>
+          <p:cNvSpPr txBox="1"/>
+          <p:nvPr/>
+        </p:nvSpPr>
+        <p:spPr>
+          <a:xfrm>
+            <a:off x="8005482" y="2277052"/>
+            <a:ext cx="3343836" cy="1477328"/>
+          </a:xfrm>
+          <a:prstGeom prst="rect">
+            <a:avLst/>
+          </a:prstGeom>
+          <a:noFill/>
+        </p:spPr>
+        <p:txBody>
+          <a:bodyPr wrap="square">
+            <a:spAutoFit/>
+          </a:bodyPr>
+          <a:lstStyle/>
+          <a:p>
+            <a:r>
+              <a:rPr lang="ru-RU" i="0" dirty="0">
+                <a:effectLst/>
+                <a:latin typeface="YS Text"/>
+              </a:rPr>
+              <a:t>Структурная схема отображает принцип работы программы в самом общем виде. На схеме изображен основной функционал программы</a:t>
+            </a:r>
+            <a:endParaRPr lang="ru-RU" dirty="0"/>
+          </a:p>
+        </p:txBody>
+      </p:sp>
     </p:spTree>
     <p:extLst>
       <p:ext uri="{BB962C8B-B14F-4D97-AF65-F5344CB8AC3E}">
@@ -8571,7 +8610,7 @@
         </p:blipFill>
         <p:spPr bwMode="auto">
           <a:xfrm>
-            <a:off x="2825306" y="1965193"/>
+            <a:off x="772388" y="1848652"/>
             <a:ext cx="5918419" cy="4041159"/>
           </a:xfrm>
           <a:prstGeom prst="rect">
@@ -8589,6 +8628,43 @@
           </a:extLst>
         </p:spPr>
       </p:pic>
+      <p:sp>
+        <p:nvSpPr>
+          <p:cNvPr id="6" name="TextBox 5">
+            <a:extLst>
+              <a:ext uri="{FF2B5EF4-FFF2-40B4-BE49-F238E27FC236}">
+                <a16:creationId xmlns:a16="http://schemas.microsoft.com/office/drawing/2014/main" id="{E4CFACD4-1301-4C6D-906F-AD818540A318}"/>
+              </a:ext>
+            </a:extLst>
+          </p:cNvPr>
+          <p:cNvSpPr txBox="1"/>
+          <p:nvPr/>
+        </p:nvSpPr>
+        <p:spPr>
+          <a:xfrm>
+            <a:off x="6965577" y="2144487"/>
+            <a:ext cx="3756212" cy="1200329"/>
+          </a:xfrm>
+          <a:prstGeom prst="rect">
+            <a:avLst/>
+          </a:prstGeom>
+          <a:noFill/>
+        </p:spPr>
+        <p:txBody>
+          <a:bodyPr wrap="square">
+            <a:spAutoFit/>
+          </a:bodyPr>
+          <a:lstStyle/>
+          <a:p>
+            <a:r>
+              <a:rPr lang="ru-RU" dirty="0">
+                <a:latin typeface="YS Text"/>
+              </a:rPr>
+              <a:t>Функциональная схема отражают взаимодействие программных элементов системы в процессе работы.</a:t>
+            </a:r>
+          </a:p>
+        </p:txBody>
+      </p:sp>
     </p:spTree>
     <p:extLst>
       <p:ext uri="{BB962C8B-B14F-4D97-AF65-F5344CB8AC3E}">
@@ -8660,7 +8736,7 @@
         </p:blipFill>
         <p:spPr bwMode="auto">
           <a:xfrm>
-            <a:off x="2247898" y="1862504"/>
+            <a:off x="913795" y="1956137"/>
             <a:ext cx="7505702" cy="4318488"/>
           </a:xfrm>
           <a:prstGeom prst="rect">
@@ -8823,6 +8899,43 @@
           </a:p>
         </p:txBody>
       </p:sp>
+      <p:sp>
+        <p:nvSpPr>
+          <p:cNvPr id="7" name="TextBox 6">
+            <a:extLst>
+              <a:ext uri="{FF2B5EF4-FFF2-40B4-BE49-F238E27FC236}">
+                <a16:creationId xmlns:a16="http://schemas.microsoft.com/office/drawing/2014/main" id="{4E90BD8E-37DF-4587-9178-1958AF632EC7}"/>
+              </a:ext>
+            </a:extLst>
+          </p:cNvPr>
+          <p:cNvSpPr txBox="1"/>
+          <p:nvPr/>
+        </p:nvSpPr>
+        <p:spPr>
+          <a:xfrm>
+            <a:off x="8598791" y="1956137"/>
+            <a:ext cx="2957871" cy="1754326"/>
+          </a:xfrm>
+          <a:prstGeom prst="rect">
+            <a:avLst/>
+          </a:prstGeom>
+          <a:noFill/>
+        </p:spPr>
+        <p:txBody>
+          <a:bodyPr wrap="square">
+            <a:spAutoFit/>
+          </a:bodyPr>
+          <a:lstStyle/>
+          <a:p>
+            <a:r>
+              <a:rPr lang="ru-RU" dirty="0">
+                <a:latin typeface="YS Text"/>
+              </a:rPr>
+              <a:t>Диаграмма декомпозиции отображает более детально функций программы. Получаются при разбиении функциональной схемы на крупные подсистемы</a:t>
+            </a:r>
+          </a:p>
+        </p:txBody>
+      </p:sp>
     </p:spTree>
     <p:extLst>
       <p:ext uri="{BB962C8B-B14F-4D97-AF65-F5344CB8AC3E}">
@@ -8873,7 +8986,7 @@
         </p:blipFill>
         <p:spPr>
           <a:xfrm>
-            <a:off x="3154979" y="1791148"/>
+            <a:off x="1335144" y="1871830"/>
             <a:ext cx="4429760" cy="4235450"/>
           </a:xfrm>
           <a:prstGeom prst="rect">
@@ -8964,6 +9077,57 @@
               </a:rPr>
               <a:t>модель БД</a:t>
             </a:r>
+          </a:p>
+        </p:txBody>
+      </p:sp>
+      <p:sp>
+        <p:nvSpPr>
+          <p:cNvPr id="5" name="TextBox 4">
+            <a:extLst>
+              <a:ext uri="{FF2B5EF4-FFF2-40B4-BE49-F238E27FC236}">
+                <a16:creationId xmlns:a16="http://schemas.microsoft.com/office/drawing/2014/main" id="{3A509CDA-1DB9-46FB-8986-3BA58C25894E}"/>
+              </a:ext>
+            </a:extLst>
+          </p:cNvPr>
+          <p:cNvSpPr txBox="1"/>
+          <p:nvPr/>
+        </p:nvSpPr>
+        <p:spPr>
+          <a:xfrm>
+            <a:off x="6096000" y="2024230"/>
+            <a:ext cx="4867835" cy="1200329"/>
+          </a:xfrm>
+          <a:prstGeom prst="rect">
+            <a:avLst/>
+          </a:prstGeom>
+          <a:noFill/>
+        </p:spPr>
+        <p:txBody>
+          <a:bodyPr wrap="square">
+            <a:spAutoFit/>
+          </a:bodyPr>
+          <a:lstStyle/>
+          <a:p>
+            <a:r>
+              <a:rPr lang="en-US" dirty="0">
+                <a:latin typeface="YS Text"/>
+              </a:rPr>
+              <a:t>ER-</a:t>
+            </a:r>
+            <a:r>
+              <a:rPr lang="ru-RU" dirty="0">
+                <a:latin typeface="YS Text"/>
+              </a:rPr>
+              <a:t>м</a:t>
+            </a:r>
+            <a:r>
+              <a:rPr lang="ru-RU" b="0" i="0" dirty="0">
+                <a:effectLst/>
+                <a:latin typeface="YS Text"/>
+              </a:rPr>
+              <a:t>одель данных, описывает концептуальные схемы предметной области. Она включает в себя сущности и взаимосвязи, отражающие основные элементы предметной области.</a:t>
+            </a:r>
+            <a:endParaRPr lang="ru-RU" dirty="0"/>
           </a:p>
         </p:txBody>
       </p:sp>

--- a/Курсовой Евдокимов.pptx
+++ b/Курсовой Евдокимов.pptx
@@ -7637,13 +7637,13 @@
         <p:spPr/>
         <p:txBody>
           <a:bodyPr>
-            <a:normAutofit fontScale="85000" lnSpcReduction="20000"/>
+            <a:normAutofit fontScale="92500" lnSpcReduction="20000"/>
           </a:bodyPr>
           <a:lstStyle/>
           <a:p>
             <a:r>
               <a:rPr lang="ru-RU" dirty="0"/>
-              <a:t>В ходе курсового проектирования была выполнена цель: разработана информационная система «Оптовый продуктовый склад».</a:t>
+              <a:t>В ходе курсового проекта была разработана информационная система «Авиаперелеты».</a:t>
             </a:r>
           </a:p>
           <a:p>
